--- a/BeerPowerpoint.pptx
+++ b/BeerPowerpoint.pptx
@@ -493,6 +493,177 @@
 </file>
 
 <file path=ppt/notesSlides/notesSlide1.xml><?xml version="1.0" encoding="utf-8"?>
+<p:notes xmlns:a="http://schemas.openxmlformats.org/drawingml/2006/main" xmlns:r="http://schemas.openxmlformats.org/officeDocument/2006/relationships" xmlns:p="http://schemas.openxmlformats.org/presentationml/2006/main">
+  <p:cSld>
+    <p:spTree>
+      <p:nvGrpSpPr>
+        <p:cNvPr id="1" name=""/>
+        <p:cNvGrpSpPr/>
+        <p:nvPr/>
+      </p:nvGrpSpPr>
+      <p:grpSpPr>
+        <a:xfrm>
+          <a:off x="0" y="0"/>
+          <a:ext cx="0" cy="0"/>
+          <a:chOff x="0" y="0"/>
+          <a:chExt cx="0" cy="0"/>
+        </a:xfrm>
+      </p:grpSpPr>
+      <p:sp>
+        <p:nvSpPr>
+          <p:cNvPr id="2" name="Slide Image Placeholder 1"/>
+          <p:cNvSpPr>
+            <a:spLocks noGrp="1" noRot="1" noChangeAspect="1"/>
+          </p:cNvSpPr>
+          <p:nvPr>
+            <p:ph type="sldImg"/>
+          </p:nvPr>
+        </p:nvSpPr>
+        <p:spPr/>
+      </p:sp>
+      <p:sp>
+        <p:nvSpPr>
+          <p:cNvPr id="3" name="Notes Placeholder 2"/>
+          <p:cNvSpPr>
+            <a:spLocks noGrp="1"/>
+          </p:cNvSpPr>
+          <p:nvPr>
+            <p:ph type="body" idx="1"/>
+          </p:nvPr>
+        </p:nvSpPr>
+        <p:spPr/>
+        <p:txBody>
+          <a:bodyPr/>
+          <a:lstStyle/>
+          <a:p>
+            <a:endParaRPr lang="en-US"/>
+          </a:p>
+        </p:txBody>
+      </p:sp>
+      <p:sp>
+        <p:nvSpPr>
+          <p:cNvPr id="4" name="Slide Number Placeholder 3"/>
+          <p:cNvSpPr>
+            <a:spLocks noGrp="1"/>
+          </p:cNvSpPr>
+          <p:nvPr>
+            <p:ph type="sldNum" sz="quarter" idx="5"/>
+          </p:nvPr>
+        </p:nvSpPr>
+        <p:spPr/>
+        <p:txBody>
+          <a:bodyPr/>
+          <a:lstStyle/>
+          <a:p>
+            <a:fld id="{2AF51B96-DCD5-4856-BE8D-CCC03871D5A0}" type="slidenum">
+              <a:rPr lang="en-US" smtClean="0"/>
+              <a:t>2</a:t>
+            </a:fld>
+            <a:endParaRPr lang="en-US"/>
+          </a:p>
+        </p:txBody>
+      </p:sp>
+    </p:spTree>
+    <p:extLst>
+      <p:ext uri="{BB962C8B-B14F-4D97-AF65-F5344CB8AC3E}">
+        <p14:creationId xmlns:p14="http://schemas.microsoft.com/office/powerpoint/2010/main" val="2540788799"/>
+      </p:ext>
+    </p:extLst>
+  </p:cSld>
+  <p:clrMapOvr>
+    <a:masterClrMapping/>
+  </p:clrMapOvr>
+</p:notes>
+</file>
+
+<file path=ppt/notesSlides/notesSlide2.xml><?xml version="1.0" encoding="utf-8"?>
+<p:notes xmlns:a="http://schemas.openxmlformats.org/drawingml/2006/main" xmlns:r="http://schemas.openxmlformats.org/officeDocument/2006/relationships" xmlns:p="http://schemas.openxmlformats.org/presentationml/2006/main">
+  <p:cSld>
+    <p:spTree>
+      <p:nvGrpSpPr>
+        <p:cNvPr id="1" name=""/>
+        <p:cNvGrpSpPr/>
+        <p:nvPr/>
+      </p:nvGrpSpPr>
+      <p:grpSpPr>
+        <a:xfrm>
+          <a:off x="0" y="0"/>
+          <a:ext cx="0" cy="0"/>
+          <a:chOff x="0" y="0"/>
+          <a:chExt cx="0" cy="0"/>
+        </a:xfrm>
+      </p:grpSpPr>
+      <p:sp>
+        <p:nvSpPr>
+          <p:cNvPr id="2" name="Slide Image Placeholder 1"/>
+          <p:cNvSpPr>
+            <a:spLocks noGrp="1" noRot="1" noChangeAspect="1"/>
+          </p:cNvSpPr>
+          <p:nvPr>
+            <p:ph type="sldImg"/>
+          </p:nvPr>
+        </p:nvSpPr>
+        <p:spPr/>
+      </p:sp>
+      <p:sp>
+        <p:nvSpPr>
+          <p:cNvPr id="3" name="Notes Placeholder 2"/>
+          <p:cNvSpPr>
+            <a:spLocks noGrp="1"/>
+          </p:cNvSpPr>
+          <p:nvPr>
+            <p:ph type="body" idx="1"/>
+          </p:nvPr>
+        </p:nvSpPr>
+        <p:spPr/>
+        <p:txBody>
+          <a:bodyPr/>
+          <a:lstStyle/>
+          <a:p>
+            <a:r>
+              <a:rPr lang="en-US" dirty="0"/>
+              <a:t>Fix this graph</a:t>
+            </a:r>
+          </a:p>
+        </p:txBody>
+      </p:sp>
+      <p:sp>
+        <p:nvSpPr>
+          <p:cNvPr id="4" name="Slide Number Placeholder 3"/>
+          <p:cNvSpPr>
+            <a:spLocks noGrp="1"/>
+          </p:cNvSpPr>
+          <p:nvPr>
+            <p:ph type="sldNum" sz="quarter" idx="5"/>
+          </p:nvPr>
+        </p:nvSpPr>
+        <p:spPr/>
+        <p:txBody>
+          <a:bodyPr/>
+          <a:lstStyle/>
+          <a:p>
+            <a:fld id="{2AF51B96-DCD5-4856-BE8D-CCC03871D5A0}" type="slidenum">
+              <a:rPr lang="en-US" smtClean="0"/>
+              <a:t>5</a:t>
+            </a:fld>
+            <a:endParaRPr lang="en-US"/>
+          </a:p>
+        </p:txBody>
+      </p:sp>
+    </p:spTree>
+    <p:extLst>
+      <p:ext uri="{BB962C8B-B14F-4D97-AF65-F5344CB8AC3E}">
+        <p14:creationId xmlns:p14="http://schemas.microsoft.com/office/powerpoint/2010/main" val="656945560"/>
+      </p:ext>
+    </p:extLst>
+  </p:cSld>
+  <p:clrMapOvr>
+    <a:masterClrMapping/>
+  </p:clrMapOvr>
+</p:notes>
+</file>
+
+<file path=ppt/notesSlides/notesSlide3.xml><?xml version="1.0" encoding="utf-8"?>
 <p:notes xmlns:a="http://schemas.openxmlformats.org/drawingml/2006/main" xmlns:r="http://schemas.openxmlformats.org/officeDocument/2006/relationships" xmlns:p="http://schemas.openxmlformats.org/presentationml/2006/main">
   <p:cSld>
     <p:spTree>
@@ -5349,7 +5520,7 @@
           <a:noFill/>
           <a:extLst>
             <a:ext uri="{909E8E84-426E-40dd-AFC4-6F175D3DCCD1}">
-              <a14:hiddenFill xmlns:a14="http://schemas.microsoft.com/office/drawing/2010/main" xmlns="">
+              <a14:hiddenFill xmlns="" xmlns:a14="http://schemas.microsoft.com/office/drawing/2010/main">
                 <a:solidFill>
                   <a:srgbClr val="FFFFFF"/>
                 </a:solidFill>
@@ -6015,14 +6186,14 @@
           <p:nvPr>
             <p:extLst>
               <p:ext uri="{D42A27DB-BD31-4B8C-83A1-F6EECF244321}">
-                <p14:modId xmlns:p14="http://schemas.microsoft.com/office/powerpoint/2010/main" val="799570920"/>
+                <p14:modId xmlns:p14="http://schemas.microsoft.com/office/powerpoint/2010/main" val="247673227"/>
               </p:ext>
             </p:extLst>
           </p:nvPr>
         </p:nvGraphicFramePr>
         <p:xfrm>
           <a:off x="2080964" y="2749982"/>
-          <a:ext cx="8128002" cy="2672080"/>
+          <a:ext cx="8128002" cy="2306320"/>
         </p:xfrm>
         <a:graphic>
           <a:graphicData uri="http://schemas.openxmlformats.org/drawingml/2006/table">
@@ -6038,14 +6209,14 @@
                     </a:ext>
                   </a:extLst>
                 </a:gridCol>
-                <a:gridCol w="1354667">
+                <a:gridCol w="1256112">
                   <a:extLst>
                     <a:ext uri="{9D8B030D-6E8A-4147-A177-3AD203B41FA5}">
                       <a16:colId xmlns:a16="http://schemas.microsoft.com/office/drawing/2014/main" val="20001"/>
                     </a:ext>
                   </a:extLst>
                 </a:gridCol>
-                <a:gridCol w="1354667">
+                <a:gridCol w="1453222">
                   <a:extLst>
                     <a:ext uri="{9D8B030D-6E8A-4147-A177-3AD203B41FA5}">
                       <a16:colId xmlns:a16="http://schemas.microsoft.com/office/drawing/2014/main" val="20002"/>
@@ -6126,7 +6297,7 @@
                     <a:lstStyle/>
                     <a:p>
                       <a:r>
-                        <a:rPr lang="en-US" dirty="0"/>
+                        <a:rPr lang="en-US" sz="1600" dirty="0"/>
                         <a:t>Communes per 1 Million Pop</a:t>
                       </a:r>
                     </a:p>
@@ -6139,7 +6310,7 @@
                     <a:lstStyle/>
                     <a:p>
                       <a:r>
-                        <a:rPr lang="en-US" dirty="0"/>
+                        <a:rPr lang="en-US" sz="1600" dirty="0"/>
                         <a:t>Coops per 1 Million Pop</a:t>
                       </a:r>
                     </a:p>
@@ -6152,7 +6323,7 @@
                     <a:lstStyle/>
                     <a:p>
                       <a:r>
-                        <a:rPr lang="en-US" dirty="0"/>
+                        <a:rPr lang="en-US" sz="1600" dirty="0"/>
                         <a:t>Breweries per 1 Million Pop</a:t>
                       </a:r>
                     </a:p>
@@ -6740,7 +6911,7 @@
           </p:nvPr>
         </p:nvPicPr>
         <p:blipFill rotWithShape="1">
-          <a:blip r:embed="rId2">
+          <a:blip r:embed="rId3">
             <a:extLst>
               <a:ext uri="{28A0092B-C50C-407E-A947-70E740481C1C}">
                 <a14:useLocalDpi xmlns:a14="http://schemas.microsoft.com/office/drawing/2010/main" val="0"/>
@@ -6784,7 +6955,7 @@
                   <a:schemeClr val="bg1"/>
                 </a:solidFill>
               </a:rPr>
-              <a:t>Top 3 States =MI, CO, CA</a:t>
+              <a:t>Top 3 States = CO, CA, MI</a:t>
             </a:r>
           </a:p>
           <a:p>
@@ -6902,7 +7073,7 @@
                   <a:schemeClr val="bg1"/>
                 </a:solidFill>
               </a:rPr>
-              <a:t>Top 3 States =CA, CO, MI</a:t>
+              <a:t>Top 3 States = CO, CA, MI</a:t>
             </a:r>
           </a:p>
           <a:p>
@@ -7079,7 +7250,7 @@
           <p:nvPr/>
         </p:nvPicPr>
         <p:blipFill>
-          <a:blip r:embed="rId2"/>
+          <a:blip r:embed="rId3"/>
           <a:stretch>
             <a:fillRect/>
           </a:stretch>
